--- a/w251_project_MaDCaAt.pptx
+++ b/w251_project_MaDCaAt.pptx
@@ -5,16 +5,17 @@
     <p:sldMasterId id="2147483696" r:id="rId1"/>
   </p:sldMasterIdLst>
   <p:notesMasterIdLst>
-    <p:notesMasterId r:id="rId9"/>
+    <p:notesMasterId r:id="rId10"/>
   </p:notesMasterIdLst>
   <p:sldIdLst>
     <p:sldId id="270" r:id="rId2"/>
     <p:sldId id="271" r:id="rId3"/>
     <p:sldId id="272" r:id="rId4"/>
     <p:sldId id="273" r:id="rId5"/>
-    <p:sldId id="275" r:id="rId6"/>
-    <p:sldId id="274" r:id="rId7"/>
-    <p:sldId id="267" r:id="rId8"/>
+    <p:sldId id="276" r:id="rId6"/>
+    <p:sldId id="275" r:id="rId7"/>
+    <p:sldId id="274" r:id="rId8"/>
+    <p:sldId id="267" r:id="rId9"/>
   </p:sldIdLst>
   <p:sldSz cx="12192000" cy="6858000"/>
   <p:notesSz cx="6858000" cy="9144000"/>
@@ -119,6 +120,10 @@
     </p:ext>
   </p:extLst>
 </p:presentation>
+</file>
+
+<file path=ppt/revisionInfo.xml><?xml version="1.0" encoding="utf-8"?>
+<p1510:revInfo xmlns:a="http://schemas.openxmlformats.org/drawingml/2006/main" xmlns:r="http://schemas.openxmlformats.org/officeDocument/2006/relationships" xmlns:p1510="http://schemas.microsoft.com/office/powerpoint/2015/10/main"/>
 </file>
 
 <file path=ppt/diagrams/colors1.xml><?xml version="1.0" encoding="utf-8"?>
@@ -7783,7 +7788,7 @@
     </p:spTree>
     <p:extLst>
       <p:ext uri="{BB962C8B-B14F-4D97-AF65-F5344CB8AC3E}">
-        <p14:creationId xmlns:p14="http://schemas.microsoft.com/office/powerpoint/2010/main" val="3181695727"/>
+        <p14:creationId xmlns:p14="http://schemas.microsoft.com/office/powerpoint/2010/main" val="1960389067"/>
       </p:ext>
     </p:extLst>
   </p:cSld>
@@ -7867,7 +7872,7 @@
     </p:spTree>
     <p:extLst>
       <p:ext uri="{BB962C8B-B14F-4D97-AF65-F5344CB8AC3E}">
-        <p14:creationId xmlns:p14="http://schemas.microsoft.com/office/powerpoint/2010/main" val="4190921678"/>
+        <p14:creationId xmlns:p14="http://schemas.microsoft.com/office/powerpoint/2010/main" val="3181695727"/>
       </p:ext>
     </p:extLst>
   </p:cSld>
@@ -7921,7 +7926,7 @@
           <a:bodyPr/>
           <a:lstStyle/>
           <a:p>
-            <a:endParaRPr lang="en-US" dirty="0"/>
+            <a:endParaRPr lang="en-US"/>
           </a:p>
         </p:txBody>
       </p:sp>
@@ -7943,6 +7948,90 @@
             <a:fld id="{E0746DE6-3336-457D-A091-FA20AC1C536E}" type="slidenum">
               <a:rPr lang="en-US" smtClean="0"/>
               <a:t>7</a:t>
+            </a:fld>
+            <a:endParaRPr lang="en-US"/>
+          </a:p>
+        </p:txBody>
+      </p:sp>
+    </p:spTree>
+    <p:extLst>
+      <p:ext uri="{BB962C8B-B14F-4D97-AF65-F5344CB8AC3E}">
+        <p14:creationId xmlns:p14="http://schemas.microsoft.com/office/powerpoint/2010/main" val="4190921678"/>
+      </p:ext>
+    </p:extLst>
+  </p:cSld>
+  <p:clrMapOvr>
+    <a:masterClrMapping/>
+  </p:clrMapOvr>
+</p:notes>
+</file>
+
+<file path=ppt/notesSlides/notesSlide8.xml><?xml version="1.0" encoding="utf-8"?>
+<p:notes xmlns:a="http://schemas.openxmlformats.org/drawingml/2006/main" xmlns:r="http://schemas.openxmlformats.org/officeDocument/2006/relationships" xmlns:p="http://schemas.openxmlformats.org/presentationml/2006/main">
+  <p:cSld>
+    <p:spTree>
+      <p:nvGrpSpPr>
+        <p:cNvPr id="1" name=""/>
+        <p:cNvGrpSpPr/>
+        <p:nvPr/>
+      </p:nvGrpSpPr>
+      <p:grpSpPr>
+        <a:xfrm>
+          <a:off x="0" y="0"/>
+          <a:ext cx="0" cy="0"/>
+          <a:chOff x="0" y="0"/>
+          <a:chExt cx="0" cy="0"/>
+        </a:xfrm>
+      </p:grpSpPr>
+      <p:sp>
+        <p:nvSpPr>
+          <p:cNvPr id="2" name="Slide Image Placeholder 1"/>
+          <p:cNvSpPr>
+            <a:spLocks noGrp="1" noRot="1" noChangeAspect="1"/>
+          </p:cNvSpPr>
+          <p:nvPr>
+            <p:ph type="sldImg"/>
+          </p:nvPr>
+        </p:nvSpPr>
+        <p:spPr/>
+      </p:sp>
+      <p:sp>
+        <p:nvSpPr>
+          <p:cNvPr id="3" name="Notes Placeholder 2"/>
+          <p:cNvSpPr>
+            <a:spLocks noGrp="1"/>
+          </p:cNvSpPr>
+          <p:nvPr>
+            <p:ph type="body" idx="1"/>
+          </p:nvPr>
+        </p:nvSpPr>
+        <p:spPr/>
+        <p:txBody>
+          <a:bodyPr/>
+          <a:lstStyle/>
+          <a:p>
+            <a:endParaRPr lang="en-US" dirty="0"/>
+          </a:p>
+        </p:txBody>
+      </p:sp>
+      <p:sp>
+        <p:nvSpPr>
+          <p:cNvPr id="4" name="Slide Number Placeholder 3"/>
+          <p:cNvSpPr>
+            <a:spLocks noGrp="1"/>
+          </p:cNvSpPr>
+          <p:nvPr>
+            <p:ph type="sldNum" sz="quarter" idx="10"/>
+          </p:nvPr>
+        </p:nvSpPr>
+        <p:spPr/>
+        <p:txBody>
+          <a:bodyPr/>
+          <a:lstStyle/>
+          <a:p>
+            <a:fld id="{E0746DE6-3336-457D-A091-FA20AC1C536E}" type="slidenum">
+              <a:rPr lang="en-US" smtClean="0"/>
+              <a:t>8</a:t>
             </a:fld>
             <a:endParaRPr lang="en-US"/>
           </a:p>
@@ -14063,6 +14152,105 @@
 <file path=ppt/slides/slide5.xml><?xml version="1.0" encoding="utf-8"?>
 <p:sld xmlns:a="http://schemas.openxmlformats.org/drawingml/2006/main" xmlns:r="http://schemas.openxmlformats.org/officeDocument/2006/relationships" xmlns:p="http://schemas.openxmlformats.org/presentationml/2006/main">
   <p:cSld>
+    <p:spTree>
+      <p:nvGrpSpPr>
+        <p:cNvPr id="1" name=""/>
+        <p:cNvGrpSpPr/>
+        <p:nvPr/>
+      </p:nvGrpSpPr>
+      <p:grpSpPr>
+        <a:xfrm>
+          <a:off x="0" y="0"/>
+          <a:ext cx="0" cy="0"/>
+          <a:chOff x="0" y="0"/>
+          <a:chExt cx="0" cy="0"/>
+        </a:xfrm>
+      </p:grpSpPr>
+      <p:sp>
+        <p:nvSpPr>
+          <p:cNvPr id="2" name="Title 1">
+            <a:extLst>
+              <a:ext uri="{FF2B5EF4-FFF2-40B4-BE49-F238E27FC236}">
+                <a16:creationId xmlns:a16="http://schemas.microsoft.com/office/drawing/2014/main" id="{7E5B30BD-C973-4FD4-97B4-E812238E7814}"/>
+              </a:ext>
+            </a:extLst>
+          </p:cNvPr>
+          <p:cNvSpPr>
+            <a:spLocks noGrp="1"/>
+          </p:cNvSpPr>
+          <p:nvPr>
+            <p:ph type="title"/>
+          </p:nvPr>
+        </p:nvSpPr>
+        <p:spPr/>
+        <p:txBody>
+          <a:bodyPr/>
+          <a:lstStyle/>
+          <a:p>
+            <a:r>
+              <a:rPr lang="en-US" dirty="0"/>
+              <a:t>Data Source</a:t>
+            </a:r>
+          </a:p>
+        </p:txBody>
+      </p:sp>
+      <p:sp>
+        <p:nvSpPr>
+          <p:cNvPr id="3" name="Content Placeholder 2">
+            <a:extLst>
+              <a:ext uri="{FF2B5EF4-FFF2-40B4-BE49-F238E27FC236}">
+                <a16:creationId xmlns:a16="http://schemas.microsoft.com/office/drawing/2014/main" id="{96E0D866-E4F9-4981-B5A5-5F5D6750A24F}"/>
+              </a:ext>
+            </a:extLst>
+          </p:cNvPr>
+          <p:cNvSpPr>
+            <a:spLocks noGrp="1"/>
+          </p:cNvSpPr>
+          <p:nvPr>
+            <p:ph idx="1"/>
+          </p:nvPr>
+        </p:nvSpPr>
+        <p:spPr/>
+        <p:txBody>
+          <a:bodyPr/>
+          <a:lstStyle/>
+          <a:p>
+            <a:r>
+              <a:rPr lang="en-US" dirty="0"/>
+              <a:t>http://www.dxfeed.com</a:t>
+            </a:r>
+          </a:p>
+          <a:p>
+            <a:r>
+              <a:rPr lang="en-US" dirty="0"/>
+              <a:t>https://www.alphavantage.co</a:t>
+            </a:r>
+          </a:p>
+          <a:p>
+            <a:r>
+              <a:rPr lang="en-US"/>
+              <a:t>http://www.quandl.com</a:t>
+            </a:r>
+            <a:endParaRPr lang="en-US" dirty="0"/>
+          </a:p>
+        </p:txBody>
+      </p:sp>
+    </p:spTree>
+    <p:extLst>
+      <p:ext uri="{BB962C8B-B14F-4D97-AF65-F5344CB8AC3E}">
+        <p14:creationId xmlns:p14="http://schemas.microsoft.com/office/powerpoint/2010/main" val="3323000521"/>
+      </p:ext>
+    </p:extLst>
+  </p:cSld>
+  <p:clrMapOvr>
+    <a:masterClrMapping/>
+  </p:clrMapOvr>
+</p:sld>
+</file>
+
+<file path=ppt/slides/slide6.xml><?xml version="1.0" encoding="utf-8"?>
+<p:sld xmlns:a="http://schemas.openxmlformats.org/drawingml/2006/main" xmlns:r="http://schemas.openxmlformats.org/officeDocument/2006/relationships" xmlns:p="http://schemas.openxmlformats.org/presentationml/2006/main">
+  <p:cSld>
     <p:bg>
       <p:bgPr>
         <a:solidFill>
@@ -14355,7 +14543,7 @@
 </p:sld>
 </file>
 
-<file path=ppt/slides/slide6.xml><?xml version="1.0" encoding="utf-8"?>
+<file path=ppt/slides/slide7.xml><?xml version="1.0" encoding="utf-8"?>
 <p:sld xmlns:a="http://schemas.openxmlformats.org/drawingml/2006/main" xmlns:r="http://schemas.openxmlformats.org/officeDocument/2006/relationships" xmlns:p="http://schemas.openxmlformats.org/presentationml/2006/main">
   <p:cSld>
     <p:bg>
@@ -14650,7 +14838,7 @@
 </p:sld>
 </file>
 
-<file path=ppt/slides/slide7.xml><?xml version="1.0" encoding="utf-8"?>
+<file path=ppt/slides/slide8.xml><?xml version="1.0" encoding="utf-8"?>
 <p:sld xmlns:a="http://schemas.openxmlformats.org/drawingml/2006/main" xmlns:r="http://schemas.openxmlformats.org/officeDocument/2006/relationships" xmlns:p="http://schemas.openxmlformats.org/presentationml/2006/main">
   <p:cSld>
     <p:bg>
